--- a/Submission_days_Naom_Domovich.pptx
+++ b/Submission_days_Naom_Domovich.pptx
@@ -291,7 +291,7 @@
           <a:p>
             <a:fld id="{7552B6A2-39B4-4141-AF20-DC1C9F0A2D56}" type="datetimeFigureOut">
               <a:rPr lang="he-IL" smtClean="0"/>
-              <a:t>י"ט/אלול/תש"ף</a:t>
+              <a:t>כ'/אלול/תש"ף</a:t>
             </a:fld>
             <a:endParaRPr lang="he-IL"/>
           </a:p>
@@ -491,7 +491,7 @@
           <a:p>
             <a:fld id="{7552B6A2-39B4-4141-AF20-DC1C9F0A2D56}" type="datetimeFigureOut">
               <a:rPr lang="he-IL" smtClean="0"/>
-              <a:t>י"ט/אלול/תש"ף</a:t>
+              <a:t>כ'/אלול/תש"ף</a:t>
             </a:fld>
             <a:endParaRPr lang="he-IL"/>
           </a:p>
@@ -701,7 +701,7 @@
           <a:p>
             <a:fld id="{7552B6A2-39B4-4141-AF20-DC1C9F0A2D56}" type="datetimeFigureOut">
               <a:rPr lang="he-IL" smtClean="0"/>
-              <a:t>י"ט/אלול/תש"ף</a:t>
+              <a:t>כ'/אלול/תש"ף</a:t>
             </a:fld>
             <a:endParaRPr lang="he-IL"/>
           </a:p>
@@ -901,7 +901,7 @@
           <a:p>
             <a:fld id="{7552B6A2-39B4-4141-AF20-DC1C9F0A2D56}" type="datetimeFigureOut">
               <a:rPr lang="he-IL" smtClean="0"/>
-              <a:t>י"ט/אלול/תש"ף</a:t>
+              <a:t>כ'/אלול/תש"ף</a:t>
             </a:fld>
             <a:endParaRPr lang="he-IL"/>
           </a:p>
@@ -1177,7 +1177,7 @@
           <a:p>
             <a:fld id="{7552B6A2-39B4-4141-AF20-DC1C9F0A2D56}" type="datetimeFigureOut">
               <a:rPr lang="he-IL" smtClean="0"/>
-              <a:t>י"ט/אלול/תש"ף</a:t>
+              <a:t>כ'/אלול/תש"ף</a:t>
             </a:fld>
             <a:endParaRPr lang="he-IL"/>
           </a:p>
@@ -1445,7 +1445,7 @@
           <a:p>
             <a:fld id="{7552B6A2-39B4-4141-AF20-DC1C9F0A2D56}" type="datetimeFigureOut">
               <a:rPr lang="he-IL" smtClean="0"/>
-              <a:t>י"ט/אלול/תש"ף</a:t>
+              <a:t>כ'/אלול/תש"ף</a:t>
             </a:fld>
             <a:endParaRPr lang="he-IL"/>
           </a:p>
@@ -1860,7 +1860,7 @@
           <a:p>
             <a:fld id="{7552B6A2-39B4-4141-AF20-DC1C9F0A2D56}" type="datetimeFigureOut">
               <a:rPr lang="he-IL" smtClean="0"/>
-              <a:t>י"ט/אלול/תש"ף</a:t>
+              <a:t>כ'/אלול/תש"ף</a:t>
             </a:fld>
             <a:endParaRPr lang="he-IL"/>
           </a:p>
@@ -2002,7 +2002,7 @@
           <a:p>
             <a:fld id="{7552B6A2-39B4-4141-AF20-DC1C9F0A2D56}" type="datetimeFigureOut">
               <a:rPr lang="he-IL" smtClean="0"/>
-              <a:t>י"ט/אלול/תש"ף</a:t>
+              <a:t>כ'/אלול/תש"ף</a:t>
             </a:fld>
             <a:endParaRPr lang="he-IL"/>
           </a:p>
@@ -2115,7 +2115,7 @@
           <a:p>
             <a:fld id="{7552B6A2-39B4-4141-AF20-DC1C9F0A2D56}" type="datetimeFigureOut">
               <a:rPr lang="he-IL" smtClean="0"/>
-              <a:t>י"ט/אלול/תש"ף</a:t>
+              <a:t>כ'/אלול/תש"ף</a:t>
             </a:fld>
             <a:endParaRPr lang="he-IL"/>
           </a:p>
@@ -2428,7 +2428,7 @@
           <a:p>
             <a:fld id="{7552B6A2-39B4-4141-AF20-DC1C9F0A2D56}" type="datetimeFigureOut">
               <a:rPr lang="he-IL" smtClean="0"/>
-              <a:t>י"ט/אלול/תש"ף</a:t>
+              <a:t>כ'/אלול/תש"ף</a:t>
             </a:fld>
             <a:endParaRPr lang="he-IL"/>
           </a:p>
@@ -2717,7 +2717,7 @@
           <a:p>
             <a:fld id="{7552B6A2-39B4-4141-AF20-DC1C9F0A2D56}" type="datetimeFigureOut">
               <a:rPr lang="he-IL" smtClean="0"/>
-              <a:t>י"ט/אלול/תש"ף</a:t>
+              <a:t>כ'/אלול/תש"ף</a:t>
             </a:fld>
             <a:endParaRPr lang="he-IL"/>
           </a:p>
@@ -2960,7 +2960,7 @@
           <a:p>
             <a:fld id="{7552B6A2-39B4-4141-AF20-DC1C9F0A2D56}" type="datetimeFigureOut">
               <a:rPr lang="he-IL" smtClean="0"/>
-              <a:t>י"ט/אלול/תש"ף</a:t>
+              <a:t>כ'/אלול/תש"ף</a:t>
             </a:fld>
             <a:endParaRPr lang="he-IL"/>
           </a:p>
@@ -4253,8 +4253,8 @@
           </a:p>
         </p:txBody>
       </p:sp>
-      <mc:AlternateContent xmlns:mc="http://schemas.openxmlformats.org/markup-compatibility/2006">
-        <mc:Choice xmlns:a14="http://schemas.microsoft.com/office/drawing/2010/main" Requires="a14">
+      <mc:AlternateContent xmlns:mc="http://schemas.openxmlformats.org/markup-compatibility/2006" xmlns:a14="http://schemas.microsoft.com/office/drawing/2010/main">
+        <mc:Choice Requires="a14">
           <p:sp>
             <p:nvSpPr>
               <p:cNvPr id="14" name="Content Placeholder 29">
@@ -4850,7 +4850,7 @@
             </p:txBody>
           </p:sp>
         </mc:Choice>
-        <mc:Fallback>
+        <mc:Fallback xmlns="">
           <p:sp>
             <p:nvSpPr>
               <p:cNvPr id="14" name="Content Placeholder 29">
@@ -5309,9 +5309,17 @@
                 </a:solidFill>
                 <a:effectLst/>
                 <a:latin typeface="-apple-system"/>
+                <a:hlinkClick r:id="rId2"/>
               </a:rPr>
               <a:t>Backend</a:t>
             </a:r>
+            <a:endParaRPr lang="en-US" sz="1800" b="0" i="0" dirty="0">
+              <a:solidFill>
+                <a:srgbClr val="24292E"/>
+              </a:solidFill>
+              <a:effectLst/>
+              <a:latin typeface="-apple-system"/>
+            </a:endParaRPr>
           </a:p>
           <a:p>
             <a:pPr lvl="1"/>
@@ -5859,8 +5867,8 @@
         </p:nvSpPr>
         <p:spPr>
           <a:xfrm>
-            <a:off x="853403" y="1732082"/>
-            <a:ext cx="5483582" cy="3221017"/>
+            <a:off x="853404" y="1732082"/>
+            <a:ext cx="4787742" cy="3221017"/>
           </a:xfrm>
         </p:spPr>
         <p:txBody>
@@ -6036,7 +6044,7 @@
               <a:rPr lang="en-US" sz="1800" dirty="0">
                 <a:latin typeface="-apple-system"/>
               </a:rPr>
-              <a:t>The documents : VISION &amp; SDD &amp; SRS etc. </a:t>
+              <a:t>The documents : VISION &amp; SDD &amp; SRS &amp; etc. </a:t>
             </a:r>
             <a:r>
               <a:rPr lang="en-US" sz="1800" dirty="0">
